--- a/artifacts/demo/Hackathon_2025_WorldisAI_Team.pptx
+++ b/artifacts/demo/Hackathon_2025_WorldisAI_Team.pptx
@@ -8251,7 +8251,7 @@
         <p:spPr>
           <a:xfrm>
             <a:off x="478172" y="4798142"/>
-            <a:ext cx="8373618" cy="1879105"/>
+            <a:ext cx="8373618" cy="1956619"/>
           </a:xfrm>
           <a:prstGeom prst="rect">
             <a:avLst/>
@@ -8285,9 +8285,6 @@
               <a:rPr lang="en-US" sz="2000" b="1" dirty="0"/>
               <a:t>Benefits</a:t>
             </a:r>
-          </a:p>
-          <a:p>
-            <a:endParaRPr lang="en-US" b="1" dirty="0"/>
           </a:p>
           <a:p>
             <a:pPr marL="285750" indent="-285750">
@@ -10235,6 +10232,56 @@
               </a:rPr>
               <a:t>Demo</a:t>
             </a:r>
+          </a:p>
+        </p:txBody>
+      </p:sp>
+      <p:sp>
+        <p:nvSpPr>
+          <p:cNvPr id="4" name="TextBox 3">
+            <a:extLst>
+              <a:ext uri="{FF2B5EF4-FFF2-40B4-BE49-F238E27FC236}">
+                <a16:creationId xmlns:a16="http://schemas.microsoft.com/office/drawing/2014/main" id="{59B50FA8-64BF-1A66-67BE-2F252FE00428}"/>
+              </a:ext>
+            </a:extLst>
+          </p:cNvPr>
+          <p:cNvSpPr txBox="1"/>
+          <p:nvPr/>
+        </p:nvSpPr>
+        <p:spPr>
+          <a:xfrm>
+            <a:off x="511275" y="4753304"/>
+            <a:ext cx="8121445" cy="1477328"/>
+          </a:xfrm>
+          <a:prstGeom prst="rect">
+            <a:avLst/>
+          </a:prstGeom>
+          <a:noFill/>
+        </p:spPr>
+        <p:txBody>
+          <a:bodyPr wrap="square">
+            <a:spAutoFit/>
+          </a:bodyPr>
+          <a:lstStyle/>
+          <a:p>
+            <a:r>
+              <a:rPr lang="en-IN" b="1" dirty="0"/>
+              <a:t>Link:</a:t>
+            </a:r>
+          </a:p>
+          <a:p>
+            <a:endParaRPr lang="en-IN" b="1" dirty="0"/>
+          </a:p>
+          <a:p>
+            <a:r>
+              <a:rPr lang="en-IN" dirty="0">
+                <a:hlinkClick r:id="rId2"/>
+              </a:rPr>
+              <a:t>https://www.loom.com/share/693f397ef591411aaa06bf4e5b8ad53a?sid=cc0adb35-81e8-4750-bb4f-8e1abac6c573</a:t>
+            </a:r>
+            <a:endParaRPr lang="en-IN" dirty="0"/>
+          </a:p>
+          <a:p>
+            <a:endParaRPr lang="en-IN" dirty="0"/>
           </a:p>
         </p:txBody>
       </p:sp>

--- a/artifacts/demo/Hackathon_2025_WorldisAI_Team.pptx
+++ b/artifacts/demo/Hackathon_2025_WorldisAI_Team.pptx
@@ -11476,8 +11476,8 @@
         </p:blipFill>
         <p:spPr>
           <a:xfrm>
-            <a:off x="344512" y="3429000"/>
-            <a:ext cx="8229600" cy="3106608"/>
+            <a:off x="276362" y="3262426"/>
+            <a:ext cx="8229600" cy="2617839"/>
           </a:xfrm>
         </p:spPr>
       </p:pic>
@@ -11496,13 +11496,13 @@
           <p:nvPr>
             <p:extLst>
               <p:ext uri="{D42A27DB-BD31-4B8C-83A1-F6EECF244321}">
-                <p14:modId xmlns:p14="http://schemas.microsoft.com/office/powerpoint/2010/main" val="2107008219"/>
+                <p14:modId xmlns:p14="http://schemas.microsoft.com/office/powerpoint/2010/main" val="294115330"/>
               </p:ext>
             </p:extLst>
           </p:nvPr>
         </p:nvGraphicFramePr>
         <p:xfrm>
-          <a:off x="825909" y="1885279"/>
+          <a:off x="2427857" y="1597432"/>
           <a:ext cx="2025446" cy="1274522"/>
         </p:xfrm>
         <a:graphic>
@@ -11530,7 +11530,7 @@
                     </p:blipFill>
                     <p:spPr>
                       <a:xfrm>
-                        <a:off x="825909" y="1885279"/>
+                        <a:off x="2427857" y="1597432"/>
                         <a:ext cx="2025446" cy="1274522"/>
                       </a:xfrm>
                       <a:prstGeom prst="rect">
@@ -11544,6 +11544,141 @@
           </a:graphicData>
         </a:graphic>
       </p:graphicFrame>
+      <p:sp>
+        <p:nvSpPr>
+          <p:cNvPr id="3" name="Title 1">
+            <a:extLst>
+              <a:ext uri="{FF2B5EF4-FFF2-40B4-BE49-F238E27FC236}">
+                <a16:creationId xmlns:a16="http://schemas.microsoft.com/office/drawing/2014/main" id="{B2AFFCB1-36D8-C325-B1EB-5EC4267D3E6B}"/>
+              </a:ext>
+            </a:extLst>
+          </p:cNvPr>
+          <p:cNvSpPr txBox="1">
+            <a:spLocks/>
+          </p:cNvSpPr>
+          <p:nvPr/>
+        </p:nvSpPr>
+        <p:spPr>
+          <a:xfrm>
+            <a:off x="133114" y="1981215"/>
+            <a:ext cx="1985733" cy="684128"/>
+          </a:xfrm>
+          <a:prstGeom prst="rect">
+            <a:avLst/>
+          </a:prstGeom>
+        </p:spPr>
+        <p:txBody>
+          <a:bodyPr vert="horz" lIns="91440" tIns="45720" rIns="91440" bIns="45720" rtlCol="0" anchor="ctr">
+            <a:normAutofit fontScale="77500" lnSpcReduction="20000"/>
+          </a:bodyPr>
+          <a:lstStyle>
+            <a:lvl1pPr algn="ctr" defTabSz="457200" rtl="0" eaLnBrk="1" latinLnBrk="0" hangingPunct="1">
+              <a:spcBef>
+                <a:spcPct val="0"/>
+              </a:spcBef>
+              <a:buNone/>
+              <a:defRPr sz="4400" kern="1200">
+                <a:solidFill>
+                  <a:schemeClr val="tx1"/>
+                </a:solidFill>
+                <a:latin typeface="+mj-lt"/>
+                <a:ea typeface="+mj-ea"/>
+                <a:cs typeface="+mj-cs"/>
+              </a:defRPr>
+            </a:lvl1pPr>
+          </a:lstStyle>
+          <a:p>
+            <a:r>
+              <a:rPr lang="en-US" sz="3500" dirty="0"/>
+              <a:t>Input Email:</a:t>
+            </a:r>
+            <a:endParaRPr lang="en-IN" sz="3500" dirty="0"/>
+          </a:p>
+        </p:txBody>
+      </p:sp>
+      <p:sp>
+        <p:nvSpPr>
+          <p:cNvPr id="4" name="Title 1">
+            <a:extLst>
+              <a:ext uri="{FF2B5EF4-FFF2-40B4-BE49-F238E27FC236}">
+                <a16:creationId xmlns:a16="http://schemas.microsoft.com/office/drawing/2014/main" id="{630D2CA9-1DD9-34AB-2D0A-FE0DD7278DD4}"/>
+              </a:ext>
+            </a:extLst>
+          </p:cNvPr>
+          <p:cNvSpPr txBox="1">
+            <a:spLocks/>
+          </p:cNvSpPr>
+          <p:nvPr/>
+        </p:nvSpPr>
+        <p:spPr>
+          <a:xfrm>
+            <a:off x="204743" y="2738783"/>
+            <a:ext cx="1985733" cy="684128"/>
+          </a:xfrm>
+          <a:prstGeom prst="rect">
+            <a:avLst/>
+          </a:prstGeom>
+        </p:spPr>
+        <p:txBody>
+          <a:bodyPr vert="horz" lIns="91440" tIns="45720" rIns="91440" bIns="45720" rtlCol="0" anchor="ctr">
+            <a:normAutofit/>
+          </a:bodyPr>
+          <a:lstStyle>
+            <a:lvl1pPr algn="ctr" defTabSz="457200" rtl="0" eaLnBrk="1" latinLnBrk="0" hangingPunct="1">
+              <a:spcBef>
+                <a:spcPct val="0"/>
+              </a:spcBef>
+              <a:buNone/>
+              <a:defRPr sz="4400" kern="1200">
+                <a:solidFill>
+                  <a:schemeClr val="tx1"/>
+                </a:solidFill>
+                <a:latin typeface="+mj-lt"/>
+                <a:ea typeface="+mj-ea"/>
+                <a:cs typeface="+mj-cs"/>
+              </a:defRPr>
+            </a:lvl1pPr>
+          </a:lstStyle>
+          <a:p>
+            <a:pPr algn="l"/>
+            <a:r>
+              <a:rPr lang="en-US" sz="2700" dirty="0"/>
+              <a:t>Output:</a:t>
+            </a:r>
+            <a:endParaRPr lang="en-IN" sz="2700" dirty="0"/>
+          </a:p>
+        </p:txBody>
+      </p:sp>
+      <p:pic>
+        <p:nvPicPr>
+          <p:cNvPr id="8" name="Picture 7">
+            <a:extLst>
+              <a:ext uri="{FF2B5EF4-FFF2-40B4-BE49-F238E27FC236}">
+                <a16:creationId xmlns:a16="http://schemas.microsoft.com/office/drawing/2014/main" id="{D33BC0A1-30CD-E888-ECEF-DF58CB147677}"/>
+              </a:ext>
+            </a:extLst>
+          </p:cNvPr>
+          <p:cNvPicPr>
+            <a:picLocks noChangeAspect="1"/>
+          </p:cNvPicPr>
+          <p:nvPr/>
+        </p:nvPicPr>
+        <p:blipFill>
+          <a:blip r:embed="rId5"/>
+          <a:stretch>
+            <a:fillRect/>
+          </a:stretch>
+        </p:blipFill>
+        <p:spPr>
+          <a:xfrm>
+            <a:off x="204743" y="6013195"/>
+            <a:ext cx="8823757" cy="684128"/>
+          </a:xfrm>
+          <a:prstGeom prst="rect">
+            <a:avLst/>
+          </a:prstGeom>
+        </p:spPr>
+      </p:pic>
     </p:spTree>
     <p:extLst>
       <p:ext uri="{BB962C8B-B14F-4D97-AF65-F5344CB8AC3E}">
@@ -11615,6 +11750,82 @@
                                   </p:childTnLst>
                                 </p:cTn>
                               </p:par>
+                              <p:par>
+                                <p:cTn id="8" presetID="10" presetClass="entr" presetSubtype="0" fill="hold" grpId="0" nodeType="withEffect">
+                                  <p:stCondLst>
+                                    <p:cond delay="500"/>
+                                  </p:stCondLst>
+                                  <p:iterate type="wd">
+                                    <p:tmPct val="15000"/>
+                                  </p:iterate>
+                                  <p:childTnLst>
+                                    <p:set>
+                                      <p:cBhvr>
+                                        <p:cTn id="9" dur="1" fill="hold">
+                                          <p:stCondLst>
+                                            <p:cond delay="0"/>
+                                          </p:stCondLst>
+                                        </p:cTn>
+                                        <p:tgtEl>
+                                          <p:spTgt spid="3"/>
+                                        </p:tgtEl>
+                                        <p:attrNameLst>
+                                          <p:attrName>style.visibility</p:attrName>
+                                        </p:attrNameLst>
+                                      </p:cBhvr>
+                                      <p:to>
+                                        <p:strVal val="visible"/>
+                                      </p:to>
+                                    </p:set>
+                                    <p:animEffect transition="in" filter="fade">
+                                      <p:cBhvr>
+                                        <p:cTn id="10" dur="1000"/>
+                                        <p:tgtEl>
+                                          <p:spTgt spid="3"/>
+                                        </p:tgtEl>
+                                      </p:cBhvr>
+                                    </p:animEffect>
+                                  </p:childTnLst>
+                                </p:cTn>
+                              </p:par>
+                              <p:par>
+                                <p:cTn id="11" presetID="10" presetClass="entr" presetSubtype="0" fill="hold" grpId="0" nodeType="withEffect">
+                                  <p:stCondLst>
+                                    <p:cond delay="500"/>
+                                  </p:stCondLst>
+                                  <p:iterate type="wd">
+                                    <p:tmPct val="15000"/>
+                                  </p:iterate>
+                                  <p:childTnLst>
+                                    <p:set>
+                                      <p:cBhvr>
+                                        <p:cTn id="12" dur="1" fill="hold">
+                                          <p:stCondLst>
+                                            <p:cond delay="0"/>
+                                          </p:stCondLst>
+                                        </p:cTn>
+                                        <p:tgtEl>
+                                          <p:spTgt spid="4"/>
+                                        </p:tgtEl>
+                                        <p:attrNameLst>
+                                          <p:attrName>style.visibility</p:attrName>
+                                        </p:attrNameLst>
+                                      </p:cBhvr>
+                                      <p:to>
+                                        <p:strVal val="visible"/>
+                                      </p:to>
+                                    </p:set>
+                                    <p:animEffect transition="in" filter="fade">
+                                      <p:cBhvr>
+                                        <p:cTn id="13" dur="1000"/>
+                                        <p:tgtEl>
+                                          <p:spTgt spid="4"/>
+                                        </p:tgtEl>
+                                      </p:cBhvr>
+                                    </p:animEffect>
+                                  </p:childTnLst>
+                                </p:cTn>
+                              </p:par>
                             </p:childTnLst>
                           </p:cTn>
                         </p:par>
@@ -11644,6 +11855,8 @@
     </p:tnLst>
     <p:bldLst>
       <p:bldP spid="2" grpId="0"/>
+      <p:bldP spid="3" grpId="0"/>
+      <p:bldP spid="4" grpId="0"/>
     </p:bldLst>
   </p:timing>
 </p:sld>
